--- a/docs/DGetStarted.pptx
+++ b/docs/DGetStarted.pptx
@@ -213,7 +213,7 @@
           <a:p>
             <a:fld id="{4D2A5A54-57FA-4281-A6F5-1860CF48FA07}" type="datetimeFigureOut">
               <a:rPr lang="en-US" smtClean="0"/>
-              <a:t>11/18/2019</a:t>
+              <a:t>11/26/2019</a:t>
             </a:fld>
             <a:endParaRPr lang="en-US"/>
           </a:p>
@@ -15677,7 +15677,7 @@
         </p:blipFill>
         <p:spPr>
           <a:xfrm>
-            <a:off x="2122824" y="2014795"/>
+            <a:off x="2122823" y="1861619"/>
             <a:ext cx="7946353" cy="4674325"/>
           </a:xfrm>
           <a:prstGeom prst="rect">
@@ -15727,8 +15727,8 @@
         </p:nvSpPr>
         <p:spPr>
           <a:xfrm>
-            <a:off x="5141407" y="1913914"/>
-            <a:ext cx="4952401" cy="487954"/>
+            <a:off x="321469" y="6480509"/>
+            <a:ext cx="11691257" cy="400110"/>
           </a:xfrm>
           <a:prstGeom prst="rect">
             <a:avLst/>
@@ -15743,16 +15743,20 @@
           <a:p>
             <a:pPr defTabSz="979688"/>
             <a:r>
-              <a:rPr lang="en-US" sz="2571" dirty="0">
-                <a:solidFill>
-                  <a:schemeClr val="tx1">
-                    <a:lumMod val="50000"/>
-                  </a:schemeClr>
-                </a:solidFill>
-                <a:latin typeface="Calibri"/>
+              <a:rPr lang="en-US" sz="2000" dirty="0">
+                <a:hlinkClick r:id="rId6">
+                  <a:extLst>
+                    <a:ext uri="{A12FA001-AC4F-418D-AE19-62706E023703}">
+                      <ahyp:hlinkClr xmlns:ahyp="http://schemas.microsoft.com/office/drawing/2018/hyperlinkcolor" val="tx"/>
+                    </a:ext>
+                  </a:extLst>
+                </a:hlinkClick>
               </a:rPr>
-              <a:t>https://unfoldingword.org/gateway</a:t>
-            </a:r>
+              <a:t>https://read.bibletranslationtools.org/u/WycliffeAssociates/en_tm/dc23f839f6/#gl-strategy</a:t>
+            </a:r>
+            <a:endParaRPr lang="en-US" sz="2000" dirty="0">
+              <a:latin typeface="Calibri"/>
+            </a:endParaRPr>
           </a:p>
         </p:txBody>
       </p:sp>
@@ -19176,15 +19180,6 @@
 </file>
 
 <file path=customXml/item1.xml><?xml version="1.0" encoding="utf-8"?>
-<?mso-contentType ?>
-<FormTemplates xmlns="http://schemas.microsoft.com/sharepoint/v3/contenttype/forms">
-  <Display>DocumentLibraryForm</Display>
-  <Edit>DocumentLibraryForm</Edit>
-  <New>DocumentLibraryForm</New>
-</FormTemplates>
-</file>
-
-<file path=customXml/item2.xml><?xml version="1.0" encoding="utf-8"?>
 <ct:contentTypeSchema xmlns:ct="http://schemas.microsoft.com/office/2006/metadata/contentType" xmlns:ma="http://schemas.microsoft.com/office/2006/metadata/properties/metaAttributes" ct:_="" ma:_="" ma:contentTypeName="Document" ma:contentTypeID="0x0101005AB3623AC358204B8459D60480BA9C2B" ma:contentTypeVersion="12" ma:contentTypeDescription="Create a new document." ma:contentTypeScope="" ma:versionID="d3005fe9c78495323023aeced5280a50">
   <xsd:schema xmlns:xsd="http://www.w3.org/2001/XMLSchema" xmlns:xs="http://www.w3.org/2001/XMLSchema" xmlns:p="http://schemas.microsoft.com/office/2006/metadata/properties" xmlns:ns3="e6b6b08c-4e37-4703-b140-b9e21b970c4f" xmlns:ns4="63ebc9d3-73c5-43d0-b794-270dc3c2d1a0" targetNamespace="http://schemas.microsoft.com/office/2006/metadata/properties" ma:root="true" ma:fieldsID="0b9151cbda91d7d860fe7297b2c5ad24" ns3:_="" ns4:_="">
     <xsd:import namespace="e6b6b08c-4e37-4703-b140-b9e21b970c4f"/>
@@ -19401,6 +19396,15 @@
 </ct:contentTypeSchema>
 </file>
 
+<file path=customXml/item2.xml><?xml version="1.0" encoding="utf-8"?>
+<?mso-contentType ?>
+<FormTemplates xmlns="http://schemas.microsoft.com/sharepoint/v3/contenttype/forms">
+  <Display>DocumentLibraryForm</Display>
+  <Edit>DocumentLibraryForm</Edit>
+  <New>DocumentLibraryForm</New>
+</FormTemplates>
+</file>
+
 <file path=customXml/item3.xml><?xml version="1.0" encoding="utf-8"?>
 <p:properties xmlns:p="http://schemas.microsoft.com/office/2006/metadata/properties" xmlns:xsi="http://www.w3.org/2001/XMLSchema-instance" xmlns:pc="http://schemas.microsoft.com/office/infopath/2007/PartnerControls">
   <documentManagement/>
@@ -19408,14 +19412,6 @@
 </file>
 
 <file path=customXml/itemProps1.xml><?xml version="1.0" encoding="utf-8"?>
-<ds:datastoreItem xmlns:ds="http://schemas.openxmlformats.org/officeDocument/2006/customXml" ds:itemID="{64CFF4CB-2157-4462-882E-7C7509AE6A60}">
-  <ds:schemaRefs>
-    <ds:schemaRef ds:uri="http://schemas.microsoft.com/sharepoint/v3/contenttype/forms"/>
-  </ds:schemaRefs>
-</ds:datastoreItem>
-</file>
-
-<file path=customXml/itemProps2.xml><?xml version="1.0" encoding="utf-8"?>
 <ds:datastoreItem xmlns:ds="http://schemas.openxmlformats.org/officeDocument/2006/customXml" ds:itemID="{EEEB1E18-1527-4724-AEDB-E4EBC76D73AB}">
   <ds:schemaRefs>
     <ds:schemaRef ds:uri="http://schemas.microsoft.com/office/2006/metadata/contentType"/>
@@ -19430,6 +19426,14 @@
     <ds:schemaRef ds:uri="http://purl.org/dc/elements/1.1/"/>
     <ds:schemaRef ds:uri="http://purl.org/dc/terms/"/>
     <ds:schemaRef ds:uri="http://schemas.microsoft.com/internal/obd"/>
+  </ds:schemaRefs>
+</ds:datastoreItem>
+</file>
+
+<file path=customXml/itemProps2.xml><?xml version="1.0" encoding="utf-8"?>
+<ds:datastoreItem xmlns:ds="http://schemas.openxmlformats.org/officeDocument/2006/customXml" ds:itemID="{64CFF4CB-2157-4462-882E-7C7509AE6A60}">
+  <ds:schemaRefs>
+    <ds:schemaRef ds:uri="http://schemas.microsoft.com/sharepoint/v3/contenttype/forms"/>
   </ds:schemaRefs>
 </ds:datastoreItem>
 </file>

--- a/docs/DGetStarted.pptx
+++ b/docs/DGetStarted.pptx
@@ -213,7 +213,7 @@
           <a:p>
             <a:fld id="{4D2A5A54-57FA-4281-A6F5-1860CF48FA07}" type="datetimeFigureOut">
               <a:rPr lang="en-US" smtClean="0"/>
-              <a:t>11/26/2019</a:t>
+              <a:t>1/7/2020</a:t>
             </a:fld>
             <a:endParaRPr lang="en-US"/>
           </a:p>
@@ -17919,7 +17919,25 @@
                 </a:solidFill>
                 <a:latin typeface="Calibri"/>
               </a:rPr>
-              <a:t>Eliminates need for national translators to learn English, so translation is much faster.</a:t>
+              <a:t>Eliminates need for </a:t>
+            </a:r>
+            <a:r>
+              <a:rPr lang="en-US" sz="1929" dirty="0">
+                <a:solidFill>
+                  <a:srgbClr val="FF0000"/>
+                </a:solidFill>
+                <a:latin typeface="Calibri"/>
+              </a:rPr>
+              <a:t>national translators </a:t>
+            </a:r>
+            <a:r>
+              <a:rPr lang="en-US" sz="1929" dirty="0">
+                <a:solidFill>
+                  <a:schemeClr val="bg1"/>
+                </a:solidFill>
+                <a:latin typeface="Calibri"/>
+              </a:rPr>
+              <a:t>to learn English, so translation is much faster.</a:t>
             </a:r>
           </a:p>
           <a:p>
@@ -18033,7 +18051,25 @@
                   </a:solidFill>
                   <a:latin typeface="Calibri"/>
                 </a:rPr>
-                <a:t>Anyone, anywhere, can work on GL if they know </a:t>
+                <a:t>Anyone, anywhere, can be a </a:t>
+              </a:r>
+              <a:r>
+                <a:rPr lang="en-US" sz="1929" dirty="0">
+                  <a:solidFill>
+                    <a:srgbClr val="FF0000"/>
+                  </a:solidFill>
+                  <a:latin typeface="Calibri"/>
+                </a:rPr>
+                <a:t>GL translator </a:t>
+              </a:r>
+              <a:r>
+                <a:rPr lang="en-US" sz="1929" dirty="0">
+                  <a:solidFill>
+                    <a:schemeClr val="bg1"/>
+                  </a:solidFill>
+                  <a:latin typeface="Calibri"/>
+                </a:rPr>
+                <a:t>if they know </a:t>
               </a:r>
               <a:br>
                 <a:rPr lang="en-US" sz="1929" dirty="0">
@@ -19397,18 +19433,18 @@
 </file>
 
 <file path=customXml/item2.xml><?xml version="1.0" encoding="utf-8"?>
+<p:properties xmlns:p="http://schemas.microsoft.com/office/2006/metadata/properties" xmlns:xsi="http://www.w3.org/2001/XMLSchema-instance" xmlns:pc="http://schemas.microsoft.com/office/infopath/2007/PartnerControls">
+  <documentManagement/>
+</p:properties>
+</file>
+
+<file path=customXml/item3.xml><?xml version="1.0" encoding="utf-8"?>
 <?mso-contentType ?>
 <FormTemplates xmlns="http://schemas.microsoft.com/sharepoint/v3/contenttype/forms">
   <Display>DocumentLibraryForm</Display>
   <Edit>DocumentLibraryForm</Edit>
   <New>DocumentLibraryForm</New>
 </FormTemplates>
-</file>
-
-<file path=customXml/item3.xml><?xml version="1.0" encoding="utf-8"?>
-<p:properties xmlns:p="http://schemas.microsoft.com/office/2006/metadata/properties" xmlns:xsi="http://www.w3.org/2001/XMLSchema-instance" xmlns:pc="http://schemas.microsoft.com/office/infopath/2007/PartnerControls">
-  <documentManagement/>
-</p:properties>
 </file>
 
 <file path=customXml/itemProps1.xml><?xml version="1.0" encoding="utf-8"?>
@@ -19431,14 +19467,6 @@
 </file>
 
 <file path=customXml/itemProps2.xml><?xml version="1.0" encoding="utf-8"?>
-<ds:datastoreItem xmlns:ds="http://schemas.openxmlformats.org/officeDocument/2006/customXml" ds:itemID="{64CFF4CB-2157-4462-882E-7C7509AE6A60}">
-  <ds:schemaRefs>
-    <ds:schemaRef ds:uri="http://schemas.microsoft.com/sharepoint/v3/contenttype/forms"/>
-  </ds:schemaRefs>
-</ds:datastoreItem>
-</file>
-
-<file path=customXml/itemProps3.xml><?xml version="1.0" encoding="utf-8"?>
 <ds:datastoreItem xmlns:ds="http://schemas.openxmlformats.org/officeDocument/2006/customXml" ds:itemID="{D6405D58-8AA8-4FB2-A549-3AE7234CE79B}">
   <ds:schemaRefs>
     <ds:schemaRef ds:uri="http://schemas.microsoft.com/office/2006/documentManagement/types"/>
@@ -19453,4 +19481,12 @@
     <ds:schemaRef ds:uri="http://purl.org/dc/dcmitype/"/>
   </ds:schemaRefs>
 </ds:datastoreItem>
+</file>
+
+<file path=customXml/itemProps3.xml><?xml version="1.0" encoding="utf-8"?>
+<ds:datastoreItem xmlns:ds="http://schemas.openxmlformats.org/officeDocument/2006/customXml" ds:itemID="{64CFF4CB-2157-4462-882E-7C7509AE6A60}">
+  <ds:schemaRefs>
+    <ds:schemaRef ds:uri="http://schemas.microsoft.com/sharepoint/v3/contenttype/forms"/>
+  </ds:schemaRefs>
+</ds:datastoreItem>
 </file>